--- a/MNIST 손글씨 인식 프로젝트.pptx
+++ b/MNIST 손글씨 인식 프로젝트.pptx
@@ -3289,28 +3289,31 @@
               <a:t>“Gradient-Based Learning Applied to Document Recognition”, </a:t>
             </a:r>
             <a:r>
-              <a:rPr lang="ko-KR" altLang="en-US" dirty="0">
-                <a:solidFill>
-                  <a:srgbClr val="FF0000"/>
-                </a:solidFill>
-              </a:rPr>
-              <a:t>저널</a:t>
-            </a:r>
-            <a:r>
-              <a:rPr lang="en-US" altLang="ko-KR" dirty="0">
-                <a:solidFill>
-                  <a:srgbClr val="FF0000"/>
-                </a:solidFill>
-              </a:rPr>
-              <a:t>/</a:t>
-            </a:r>
-            <a:r>
-              <a:rPr lang="ko-KR" altLang="en-US" dirty="0" err="1">
-                <a:solidFill>
-                  <a:srgbClr val="FF0000"/>
-                </a:solidFill>
-              </a:rPr>
-              <a:t>학회명</a:t>
+              <a:rPr lang="en-US" altLang="ko-KR" b="0" i="0" u="none" strike="noStrike" dirty="0">
+                <a:effectLst/>
+                <a:latin typeface="Arial" panose="020B0604020202020204" pitchFamily="34" charset="0"/>
+              </a:rPr>
+              <a:t>Proceedings of the IEEE</a:t>
+            </a:r>
+            <a:r>
+              <a:rPr lang="en-US" altLang="ko-KR" b="0" i="0" dirty="0">
+                <a:effectLst/>
+                <a:latin typeface="Arial" panose="020B0604020202020204" pitchFamily="34" charset="0"/>
+              </a:rPr>
+              <a:t> ( Volume: 86, </a:t>
+            </a:r>
+            <a:r>
+              <a:rPr lang="en-US" altLang="ko-KR" b="0" i="0" u="none" strike="noStrike" dirty="0">
+                <a:effectLst/>
+                <a:latin typeface="Arial" panose="020B0604020202020204" pitchFamily="34" charset="0"/>
+              </a:rPr>
+              <a:t>Issue: 11</a:t>
+            </a:r>
+            <a:r>
+              <a:rPr lang="en-US" altLang="ko-KR" u="none" strike="noStrike" dirty="0">
+                <a:latin typeface="Arial" panose="020B0604020202020204" pitchFamily="34" charset="0"/>
+              </a:rPr>
+              <a:t>)</a:t>
             </a:r>
             <a:r>
               <a:rPr lang="en-US" altLang="ko-KR" dirty="0"/>
